--- a/Scripts/Backgrounds/PPs/Topscorer pp.pptx
+++ b/Scripts/Backgrounds/PPs/Topscorer pp.pptx
@@ -7,6 +7,7 @@
   <p:sldIdLst>
     <p:sldId id="257" r:id="rId2"/>
     <p:sldId id="258" r:id="rId3"/>
+    <p:sldId id="259" r:id="rId4"/>
   </p:sldIdLst>
   <p:sldSz cx="9720263" cy="11879263"/>
   <p:notesSz cx="6858000" cy="9144000"/>
@@ -409,7 +410,7 @@
           <a:p>
             <a:fld id="{B99F409A-A331-45F8-BA64-90F03979C343}" type="datetimeFigureOut">
               <a:rPr lang="nb-NO" smtClean="0"/>
-              <a:t>17.09.2022</a:t>
+              <a:t>22.09.2022</a:t>
             </a:fld>
             <a:endParaRPr lang="nb-NO"/>
           </a:p>
@@ -579,7 +580,7 @@
           <a:p>
             <a:fld id="{B99F409A-A331-45F8-BA64-90F03979C343}" type="datetimeFigureOut">
               <a:rPr lang="nb-NO" smtClean="0"/>
-              <a:t>17.09.2022</a:t>
+              <a:t>22.09.2022</a:t>
             </a:fld>
             <a:endParaRPr lang="nb-NO"/>
           </a:p>
@@ -759,7 +760,7 @@
           <a:p>
             <a:fld id="{B99F409A-A331-45F8-BA64-90F03979C343}" type="datetimeFigureOut">
               <a:rPr lang="nb-NO" smtClean="0"/>
-              <a:t>17.09.2022</a:t>
+              <a:t>22.09.2022</a:t>
             </a:fld>
             <a:endParaRPr lang="nb-NO"/>
           </a:p>
@@ -929,7 +930,7 @@
           <a:p>
             <a:fld id="{B99F409A-A331-45F8-BA64-90F03979C343}" type="datetimeFigureOut">
               <a:rPr lang="nb-NO" smtClean="0"/>
-              <a:t>17.09.2022</a:t>
+              <a:t>22.09.2022</a:t>
             </a:fld>
             <a:endParaRPr lang="nb-NO"/>
           </a:p>
@@ -1173,7 +1174,7 @@
           <a:p>
             <a:fld id="{B99F409A-A331-45F8-BA64-90F03979C343}" type="datetimeFigureOut">
               <a:rPr lang="nb-NO" smtClean="0"/>
-              <a:t>17.09.2022</a:t>
+              <a:t>22.09.2022</a:t>
             </a:fld>
             <a:endParaRPr lang="nb-NO"/>
           </a:p>
@@ -1405,7 +1406,7 @@
           <a:p>
             <a:fld id="{B99F409A-A331-45F8-BA64-90F03979C343}" type="datetimeFigureOut">
               <a:rPr lang="nb-NO" smtClean="0"/>
-              <a:t>17.09.2022</a:t>
+              <a:t>22.09.2022</a:t>
             </a:fld>
             <a:endParaRPr lang="nb-NO"/>
           </a:p>
@@ -1772,7 +1773,7 @@
           <a:p>
             <a:fld id="{B99F409A-A331-45F8-BA64-90F03979C343}" type="datetimeFigureOut">
               <a:rPr lang="nb-NO" smtClean="0"/>
-              <a:t>17.09.2022</a:t>
+              <a:t>22.09.2022</a:t>
             </a:fld>
             <a:endParaRPr lang="nb-NO"/>
           </a:p>
@@ -1890,7 +1891,7 @@
           <a:p>
             <a:fld id="{B99F409A-A331-45F8-BA64-90F03979C343}" type="datetimeFigureOut">
               <a:rPr lang="nb-NO" smtClean="0"/>
-              <a:t>17.09.2022</a:t>
+              <a:t>22.09.2022</a:t>
             </a:fld>
             <a:endParaRPr lang="nb-NO"/>
           </a:p>
@@ -1985,7 +1986,7 @@
           <a:p>
             <a:fld id="{B99F409A-A331-45F8-BA64-90F03979C343}" type="datetimeFigureOut">
               <a:rPr lang="nb-NO" smtClean="0"/>
-              <a:t>17.09.2022</a:t>
+              <a:t>22.09.2022</a:t>
             </a:fld>
             <a:endParaRPr lang="nb-NO"/>
           </a:p>
@@ -2262,7 +2263,7 @@
           <a:p>
             <a:fld id="{B99F409A-A331-45F8-BA64-90F03979C343}" type="datetimeFigureOut">
               <a:rPr lang="nb-NO" smtClean="0"/>
-              <a:t>17.09.2022</a:t>
+              <a:t>22.09.2022</a:t>
             </a:fld>
             <a:endParaRPr lang="nb-NO"/>
           </a:p>
@@ -2519,7 +2520,7 @@
           <a:p>
             <a:fld id="{B99F409A-A331-45F8-BA64-90F03979C343}" type="datetimeFigureOut">
               <a:rPr lang="nb-NO" smtClean="0"/>
-              <a:t>17.09.2022</a:t>
+              <a:t>22.09.2022</a:t>
             </a:fld>
             <a:endParaRPr lang="nb-NO"/>
           </a:p>
@@ -2732,7 +2733,7 @@
           <a:p>
             <a:fld id="{B99F409A-A331-45F8-BA64-90F03979C343}" type="datetimeFigureOut">
               <a:rPr lang="nb-NO" smtClean="0"/>
-              <a:t>17.09.2022</a:t>
+              <a:t>22.09.2022</a:t>
             </a:fld>
             <a:endParaRPr lang="nb-NO"/>
           </a:p>
@@ -7977,6 +7978,88 @@
 </p:sld>
 </file>
 
+<file path=ppt/slides/slide3.xml><?xml version="1.0" encoding="utf-8"?>
+<p:sld xmlns:a="http://schemas.openxmlformats.org/drawingml/2006/main" xmlns:r="http://schemas.openxmlformats.org/officeDocument/2006/relationships" xmlns:p="http://schemas.openxmlformats.org/presentationml/2006/main">
+  <p:cSld>
+    <p:spTree>
+      <p:nvGrpSpPr>
+        <p:cNvPr id="1" name=""/>
+        <p:cNvGrpSpPr/>
+        <p:nvPr/>
+      </p:nvGrpSpPr>
+      <p:grpSpPr>
+        <a:xfrm>
+          <a:off x="0" y="0"/>
+          <a:ext cx="0" cy="0"/>
+          <a:chOff x="0" y="0"/>
+          <a:chExt cx="0" cy="0"/>
+        </a:xfrm>
+      </p:grpSpPr>
+      <p:sp>
+        <p:nvSpPr>
+          <p:cNvPr id="7" name="Rektangel 6">
+            <a:extLst>
+              <a:ext uri="{FF2B5EF4-FFF2-40B4-BE49-F238E27FC236}">
+                <a16:creationId xmlns:a16="http://schemas.microsoft.com/office/drawing/2014/main" id="{31393592-221A-2F58-4FA2-C7D13A41E646}"/>
+              </a:ext>
+            </a:extLst>
+          </p:cNvPr>
+          <p:cNvSpPr/>
+          <p:nvPr/>
+        </p:nvSpPr>
+        <p:spPr>
+          <a:xfrm>
+            <a:off x="2212521" y="5323227"/>
+            <a:ext cx="3976007" cy="1232807"/>
+          </a:xfrm>
+          <a:prstGeom prst="rect">
+            <a:avLst/>
+          </a:prstGeom>
+          <a:solidFill>
+            <a:srgbClr val="E0E0DB"/>
+          </a:solidFill>
+          <a:ln>
+            <a:noFill/>
+          </a:ln>
+        </p:spPr>
+        <p:style>
+          <a:lnRef idx="2">
+            <a:schemeClr val="accent1">
+              <a:shade val="50000"/>
+            </a:schemeClr>
+          </a:lnRef>
+          <a:fillRef idx="1">
+            <a:schemeClr val="accent1"/>
+          </a:fillRef>
+          <a:effectRef idx="0">
+            <a:schemeClr val="accent1"/>
+          </a:effectRef>
+          <a:fontRef idx="minor">
+            <a:schemeClr val="lt1"/>
+          </a:fontRef>
+        </p:style>
+        <p:txBody>
+          <a:bodyPr rtlCol="0" anchor="ctr"/>
+          <a:lstStyle/>
+          <a:p>
+            <a:pPr algn="ctr"/>
+            <a:endParaRPr lang="nb-NO"/>
+          </a:p>
+        </p:txBody>
+      </p:sp>
+    </p:spTree>
+    <p:extLst>
+      <p:ext uri="{BB962C8B-B14F-4D97-AF65-F5344CB8AC3E}">
+        <p14:creationId xmlns:p14="http://schemas.microsoft.com/office/powerpoint/2010/main" val="2085705283"/>
+      </p:ext>
+    </p:extLst>
+  </p:cSld>
+  <p:clrMapOvr>
+    <a:masterClrMapping/>
+  </p:clrMapOvr>
+</p:sld>
+</file>
+
 <file path=ppt/theme/theme1.xml><?xml version="1.0" encoding="utf-8"?>
 <a:theme xmlns:a="http://schemas.openxmlformats.org/drawingml/2006/main" name="Office-tema">
   <a:themeElements>
